--- a/02. Data Binding and MVVM/Lab 2. Create Content App.pptx
+++ b/02. Data Binding and MVVM/Lab 2. Create Content App.pptx
@@ -211,7 +211,7 @@
           <a:p>
             <a:fld id="{94239FBE-FC08-4336-9B53-CDE8BC5ED33D}" type="datetimeFigureOut">
               <a:rPr lang="ru-RU" smtClean="0"/>
-              <a:t>03.12.2015</a:t>
+              <a:t>07.12.2015</a:t>
             </a:fld>
             <a:endParaRPr lang="ru-RU"/>
           </a:p>
@@ -376,7 +376,7 @@
           <a:p>
             <a:fld id="{135EBF37-D0C5-4B7C-9D35-9D2E20CA27EC}" type="datetimeFigureOut">
               <a:rPr lang="ru-RU" smtClean="0"/>
-              <a:t>03.12.2015</a:t>
+              <a:t>07.12.2015</a:t>
             </a:fld>
             <a:endParaRPr lang="ru-RU"/>
           </a:p>
@@ -1065,7 +1065,7 @@
                   <a:spcPct val="0"/>
                 </a:spcAft>
               </a:pPr>
-              <a:t>12/3/2015 12:31 PM</a:t>
+              <a:t>12/7/2015 12:52 AM</a:t>
             </a:fld>
             <a:endParaRPr lang="en-US"/>
           </a:p>
@@ -9844,7 +9844,7 @@
             <a:fld id="{B9E0730F-B7E3-6A47-BE8A-187D77555B7C}" type="datetimeFigureOut">
               <a:rPr lang="en-US" smtClean="0"/>
               <a:pPr/>
-              <a:t>12/3/2015</a:t>
+              <a:t>12/7/2015</a:t>
             </a:fld>
             <a:endParaRPr lang="en-US"/>
           </a:p>
@@ -26996,15 +26996,7 @@
             </a:br>
             <a:r>
               <a:rPr lang="ru-RU" sz="4000" dirty="0" smtClean="0"/>
-              <a:t>Лабораторная работа </a:t>
-            </a:r>
-            <a:r>
-              <a:rPr lang="ru-RU" sz="4000" dirty="0" smtClean="0"/>
-              <a:t>2: </a:t>
-            </a:r>
-            <a:r>
-              <a:rPr lang="ru-RU" sz="4000" dirty="0" smtClean="0"/>
-              <a:t/>
+              <a:t>Лабораторная работа 2: </a:t>
             </a:r>
             <a:br>
               <a:rPr lang="ru-RU" sz="4000" dirty="0" smtClean="0"/>
@@ -27184,29 +27176,22 @@
           <a:lstStyle/>
           <a:p>
             <a:r>
-              <a:rPr lang="ru-RU" dirty="0" smtClean="0"/>
-              <a:t>На основе рассмотренного примера, создать простейшее </a:t>
-            </a:r>
-            <a:r>
-              <a:rPr lang="ru-RU" dirty="0" smtClean="0"/>
-              <a:t>контентное </a:t>
-            </a:r>
-            <a:r>
-              <a:rPr lang="ru-RU" dirty="0" smtClean="0"/>
-              <a:t>приложение, показывающее данные из какого-либо источника в </a:t>
-            </a:r>
-            <a:r>
-              <a:rPr lang="ru-RU" dirty="0" smtClean="0"/>
-              <a:t>интернет в виде коллекции.</a:t>
-            </a:r>
-            <a:endParaRPr lang="ru-RU" dirty="0" smtClean="0"/>
-          </a:p>
-          <a:p>
-            <a:endParaRPr lang="ru-RU" sz="1700" dirty="0"/>
-          </a:p>
-          <a:p>
-            <a:r>
-              <a:rPr lang="ru-RU" dirty="0" smtClean="0"/>
+              <a:rPr lang="ru-RU" dirty="0" smtClean="0">
+                <a:latin typeface="+mj-lt"/>
+              </a:rPr>
+              <a:t>На основе рассмотренного примера, создать простейшее контентное приложение, показывающее данные из какого-либо источника в интернет в виде коллекции.</a:t>
+            </a:r>
+          </a:p>
+          <a:p>
+            <a:endParaRPr lang="ru-RU" sz="1700" dirty="0">
+              <a:latin typeface="+mj-lt"/>
+            </a:endParaRPr>
+          </a:p>
+          <a:p>
+            <a:r>
+              <a:rPr lang="ru-RU" dirty="0" smtClean="0">
+                <a:latin typeface="+mj-lt"/>
+              </a:rPr>
               <a:t>Источники данных:</a:t>
             </a:r>
           </a:p>
@@ -27222,7 +27207,9 @@
               <a:buChar char="-"/>
             </a:pPr>
             <a:r>
-              <a:rPr lang="en-US" dirty="0" smtClean="0"/>
+              <a:rPr lang="en-US" dirty="0" smtClean="0">
+                <a:latin typeface="+mj-lt"/>
+              </a:rPr>
               <a:t>JSON</a:t>
             </a:r>
           </a:p>
@@ -27238,7 +27225,9 @@
               <a:buChar char="-"/>
             </a:pPr>
             <a:r>
-              <a:rPr lang="en-US" dirty="0" smtClean="0"/>
+              <a:rPr lang="en-US" dirty="0" smtClean="0">
+                <a:latin typeface="+mj-lt"/>
+              </a:rPr>
               <a:t>XML</a:t>
             </a:r>
           </a:p>
@@ -27254,18 +27243,20 @@
               <a:buChar char="-"/>
             </a:pPr>
             <a:r>
-              <a:rPr lang="en-US" dirty="0" smtClean="0"/>
+              <a:rPr lang="en-US" dirty="0" smtClean="0">
+                <a:latin typeface="+mj-lt"/>
+              </a:rPr>
               <a:t>RSS-</a:t>
             </a:r>
             <a:r>
-              <a:rPr lang="ru-RU" dirty="0" smtClean="0"/>
-              <a:t>поток (блоги</a:t>
-            </a:r>
-            <a:r>
-              <a:rPr lang="ru-RU" dirty="0" smtClean="0"/>
-              <a:t>)</a:t>
-            </a:r>
-            <a:endParaRPr lang="en-US" dirty="0" smtClean="0"/>
+              <a:rPr lang="ru-RU" dirty="0" smtClean="0">
+                <a:latin typeface="+mj-lt"/>
+              </a:rPr>
+              <a:t>поток (блоги)</a:t>
+            </a:r>
+            <a:endParaRPr lang="en-US" dirty="0" smtClean="0">
+              <a:latin typeface="+mj-lt"/>
+            </a:endParaRPr>
           </a:p>
           <a:p>
             <a:pPr marL="396000" indent="-457200">
@@ -27279,11 +27270,15 @@
               <a:buChar char="-"/>
             </a:pPr>
             <a:r>
-              <a:rPr lang="ru-RU" dirty="0" smtClean="0"/>
+              <a:rPr lang="ru-RU" dirty="0" smtClean="0">
+                <a:latin typeface="+mj-lt"/>
+              </a:rPr>
               <a:t>Готовые </a:t>
             </a:r>
             <a:r>
-              <a:rPr lang="en-US" dirty="0" smtClean="0"/>
+              <a:rPr lang="en-US" dirty="0" smtClean="0">
+                <a:latin typeface="+mj-lt"/>
+              </a:rPr>
               <a:t>API</a:t>
             </a:r>
           </a:p>
@@ -27299,14 +27294,17 @@
               <a:buChar char="-"/>
             </a:pPr>
             <a:r>
-              <a:rPr lang="en-US" dirty="0" smtClean="0"/>
+              <a:rPr lang="en-US" dirty="0" smtClean="0">
+                <a:latin typeface="+mj-lt"/>
+              </a:rPr>
               <a:t>HTML-</a:t>
             </a:r>
             <a:r>
-              <a:rPr lang="ru-RU" dirty="0" smtClean="0"/>
+              <a:rPr lang="ru-RU" dirty="0" smtClean="0">
+                <a:latin typeface="+mj-lt"/>
+              </a:rPr>
               <a:t>странички</a:t>
             </a:r>
-            <a:endParaRPr lang="ru-RU" dirty="0" smtClean="0"/>
           </a:p>
           <a:p>
             <a:pPr>
@@ -27317,7 +27315,9 @@
                 <a:spcPts val="0"/>
               </a:spcBef>
             </a:pPr>
-            <a:endParaRPr lang="ru-RU" dirty="0"/>
+            <a:endParaRPr lang="ru-RU" dirty="0">
+              <a:latin typeface="+mj-lt"/>
+            </a:endParaRPr>
           </a:p>
         </p:txBody>
       </p:sp>
@@ -27397,70 +27397,102 @@
           <a:lstStyle/>
           <a:p>
             <a:r>
-              <a:rPr lang="ru-RU" dirty="0" smtClean="0"/>
+              <a:rPr lang="ru-RU" dirty="0" smtClean="0">
+                <a:latin typeface="+mj-lt"/>
+              </a:rPr>
               <a:t>Архитектуру </a:t>
             </a:r>
             <a:r>
-              <a:rPr lang="en-US" dirty="0" smtClean="0"/>
+              <a:rPr lang="en-US" dirty="0" smtClean="0">
+                <a:latin typeface="+mj-lt"/>
+              </a:rPr>
               <a:t>Model-View-</a:t>
             </a:r>
             <a:r>
-              <a:rPr lang="en-US" dirty="0" err="1" smtClean="0"/>
+              <a:rPr lang="en-US" dirty="0" err="1" smtClean="0">
+                <a:latin typeface="+mj-lt"/>
+              </a:rPr>
               <a:t>ViewModel</a:t>
             </a:r>
-            <a:endParaRPr lang="en-US" dirty="0" smtClean="0"/>
-          </a:p>
-          <a:p>
-            <a:r>
-              <a:rPr lang="en-US" dirty="0" err="1" smtClean="0"/>
+            <a:endParaRPr lang="en-US" dirty="0" smtClean="0">
+              <a:latin typeface="+mj-lt"/>
+            </a:endParaRPr>
+          </a:p>
+          <a:p>
+            <a:r>
+              <a:rPr lang="en-US" dirty="0" err="1" smtClean="0">
+                <a:latin typeface="+mj-lt"/>
+              </a:rPr>
               <a:t>DataBinding</a:t>
             </a:r>
             <a:r>
-              <a:rPr lang="en-US" dirty="0" smtClean="0"/>
+              <a:rPr lang="en-US" dirty="0" smtClean="0">
+                <a:latin typeface="+mj-lt"/>
+              </a:rPr>
               <a:t> </a:t>
             </a:r>
             <a:r>
-              <a:rPr lang="ru-RU" dirty="0" smtClean="0"/>
+              <a:rPr lang="ru-RU" dirty="0" smtClean="0">
+                <a:latin typeface="+mj-lt"/>
+              </a:rPr>
               <a:t>с автоматическим обновлением</a:t>
             </a:r>
           </a:p>
           <a:p>
             <a:r>
-              <a:rPr lang="ru-RU" dirty="0" smtClean="0"/>
+              <a:rPr lang="ru-RU" dirty="0" smtClean="0">
+                <a:latin typeface="+mj-lt"/>
+              </a:rPr>
               <a:t>Картинки</a:t>
             </a:r>
           </a:p>
           <a:p>
             <a:pPr marL="539750"/>
             <a:r>
-              <a:rPr lang="en-US" sz="2400" dirty="0" smtClean="0"/>
+              <a:rPr lang="en-US" sz="2400" dirty="0" smtClean="0">
+                <a:latin typeface="+mj-lt"/>
+              </a:rPr>
               <a:t>Challenge: </a:t>
             </a:r>
             <a:r>
-              <a:rPr lang="ru-RU" sz="2400" dirty="0" smtClean="0"/>
+              <a:rPr lang="ru-RU" sz="2400" dirty="0" smtClean="0">
+                <a:latin typeface="+mj-lt"/>
+              </a:rPr>
               <a:t>Если вы используете </a:t>
             </a:r>
             <a:r>
-              <a:rPr lang="en-US" sz="2400" dirty="0" smtClean="0"/>
+              <a:rPr lang="en-US" sz="2400" dirty="0" smtClean="0">
+                <a:latin typeface="+mj-lt"/>
+              </a:rPr>
               <a:t>RSS-</a:t>
             </a:r>
             <a:r>
-              <a:rPr lang="ru-RU" sz="2400" dirty="0" smtClean="0"/>
+              <a:rPr lang="ru-RU" sz="2400" dirty="0" smtClean="0">
+                <a:latin typeface="+mj-lt"/>
+              </a:rPr>
               <a:t>поток из блога – попробуйте вытащить картинки из текста записи (теги </a:t>
             </a:r>
             <a:r>
-              <a:rPr lang="en-US" sz="2400" dirty="0" smtClean="0"/>
+              <a:rPr lang="en-US" sz="2400" dirty="0" smtClean="0">
+                <a:latin typeface="+mj-lt"/>
+              </a:rPr>
               <a:t>&lt;</a:t>
             </a:r>
             <a:r>
-              <a:rPr lang="en-US" sz="2400" dirty="0" err="1" smtClean="0"/>
+              <a:rPr lang="en-US" sz="2400" dirty="0" err="1" smtClean="0">
+                <a:latin typeface="+mj-lt"/>
+              </a:rPr>
               <a:t>img</a:t>
             </a:r>
             <a:r>
-              <a:rPr lang="en-US" sz="2400" dirty="0" smtClean="0"/>
+              <a:rPr lang="en-US" sz="2400" dirty="0" smtClean="0">
+                <a:latin typeface="+mj-lt"/>
+              </a:rPr>
               <a:t>&gt;)</a:t>
             </a:r>
-            <a:endParaRPr lang="ru-RU" dirty="0"/>
+            <a:endParaRPr lang="ru-RU" dirty="0">
+              <a:latin typeface="+mj-lt"/>
+            </a:endParaRPr>
           </a:p>
         </p:txBody>
       </p:sp>
@@ -27539,39 +27571,49 @@
           <a:p>
             <a:r>
               <a:rPr lang="en-US" dirty="0">
+                <a:latin typeface="+mj-lt"/>
                 <a:hlinkClick r:id="rId2"/>
               </a:rPr>
               <a:t>http://data.mos.ru</a:t>
             </a:r>
             <a:r>
               <a:rPr lang="en-US" dirty="0" smtClean="0">
+                <a:latin typeface="+mj-lt"/>
                 <a:hlinkClick r:id="rId2"/>
               </a:rPr>
               <a:t>/</a:t>
             </a:r>
             <a:r>
-              <a:rPr lang="ru-RU" dirty="0" smtClean="0"/>
+              <a:rPr lang="ru-RU" dirty="0" smtClean="0">
+                <a:latin typeface="+mj-lt"/>
+              </a:rPr>
               <a:t> - портал открытых данных правительства Москвы</a:t>
             </a:r>
           </a:p>
           <a:p>
             <a:r>
               <a:rPr lang="en-US" dirty="0">
+                <a:latin typeface="+mj-lt"/>
                 <a:hlinkClick r:id="rId3"/>
               </a:rPr>
               <a:t>http://</a:t>
             </a:r>
             <a:r>
               <a:rPr lang="en-US" dirty="0" smtClean="0">
+                <a:latin typeface="+mj-lt"/>
                 <a:hlinkClick r:id="rId3"/>
               </a:rPr>
               <a:t>datamarket.azure.com</a:t>
             </a:r>
             <a:r>
-              <a:rPr lang="en-US" dirty="0" smtClean="0"/>
+              <a:rPr lang="en-US" dirty="0" smtClean="0">
+                <a:latin typeface="+mj-lt"/>
+              </a:rPr>
               <a:t> – Microsoft Azure Marketplace</a:t>
             </a:r>
-            <a:endParaRPr lang="ru-RU" dirty="0"/>
+            <a:endParaRPr lang="ru-RU" dirty="0">
+              <a:latin typeface="+mj-lt"/>
+            </a:endParaRPr>
           </a:p>
         </p:txBody>
       </p:sp>
@@ -29407,6 +29449,12 @@
 </file>
 
 <file path=customXml/item2.xml><?xml version="1.0" encoding="utf-8"?>
+<p:properties xmlns:p="http://schemas.microsoft.com/office/2006/metadata/properties" xmlns:xsi="http://www.w3.org/2001/XMLSchema-instance" xmlns:pc="http://schemas.microsoft.com/office/infopath/2007/PartnerControls">
+  <documentManagement/>
+</p:properties>
+</file>
+
+<file path=customXml/item3.xml><?xml version="1.0" encoding="utf-8"?>
 <ct:contentTypeSchema xmlns:ct="http://schemas.microsoft.com/office/2006/metadata/contentType" xmlns:ma="http://schemas.microsoft.com/office/2006/metadata/properties/metaAttributes" ct:_="" ma:_="" ma:contentTypeName="Document" ma:contentTypeID="0x01010076BDC9AB8D85574E92B3FF85DD8EEE9A" ma:contentTypeVersion="0" ma:contentTypeDescription="Create a new document." ma:contentTypeScope="" ma:versionID="ddc91d68531740eb4ffac8dfd0ac3039">
   <xsd:schema xmlns:xsd="http://www.w3.org/2001/XMLSchema" xmlns:xs="http://www.w3.org/2001/XMLSchema" xmlns:p="http://schemas.microsoft.com/office/2006/metadata/properties" targetNamespace="http://schemas.microsoft.com/office/2006/metadata/properties" ma:root="true" ma:fieldsID="595fb8ec1e0e1cfd5b45b077016c9ed3">
     <xsd:element name="properties">
@@ -29520,12 +29568,6 @@
 </ct:contentTypeSchema>
 </file>
 
-<file path=customXml/item3.xml><?xml version="1.0" encoding="utf-8"?>
-<p:properties xmlns:p="http://schemas.microsoft.com/office/2006/metadata/properties" xmlns:xsi="http://www.w3.org/2001/XMLSchema-instance" xmlns:pc="http://schemas.microsoft.com/office/infopath/2007/PartnerControls">
-  <documentManagement/>
-</p:properties>
-</file>
-
 <file path=customXml/itemProps1.xml><?xml version="1.0" encoding="utf-8"?>
 <ds:datastoreItem xmlns:ds="http://schemas.openxmlformats.org/officeDocument/2006/customXml" ds:itemID="{1C1284F2-D5A2-482D-9283-38905BD416F7}">
   <ds:schemaRefs>
@@ -29535,6 +29577,21 @@
 </file>
 
 <file path=customXml/itemProps2.xml><?xml version="1.0" encoding="utf-8"?>
+<ds:datastoreItem xmlns:ds="http://schemas.openxmlformats.org/officeDocument/2006/customXml" ds:itemID="{136497CF-FFDF-4FDB-8278-A4E189869E9B}">
+  <ds:schemaRefs>
+    <ds:schemaRef ds:uri="http://schemas.microsoft.com/office/2006/metadata/properties"/>
+    <ds:schemaRef ds:uri="http://purl.org/dc/terms/"/>
+    <ds:schemaRef ds:uri="http://schemas.openxmlformats.org/package/2006/metadata/core-properties"/>
+    <ds:schemaRef ds:uri="http://schemas.microsoft.com/office/2006/documentManagement/types"/>
+    <ds:schemaRef ds:uri="http://purl.org/dc/dcmitype/"/>
+    <ds:schemaRef ds:uri="http://schemas.microsoft.com/office/infopath/2007/PartnerControls"/>
+    <ds:schemaRef ds:uri="http://purl.org/dc/elements/1.1/"/>
+    <ds:schemaRef ds:uri="http://www.w3.org/XML/1998/namespace"/>
+  </ds:schemaRefs>
+</ds:datastoreItem>
+</file>
+
+<file path=customXml/itemProps3.xml><?xml version="1.0" encoding="utf-8"?>
 <ds:datastoreItem xmlns:ds="http://schemas.openxmlformats.org/officeDocument/2006/customXml" ds:itemID="{53B502EA-CC61-4C3A-9239-E889C59E2245}">
   <ds:schemaRefs>
     <ds:schemaRef ds:uri="http://schemas.microsoft.com/office/2006/metadata/contentType"/>
@@ -29548,19 +29605,4 @@
     <ds:schemaRef ds:uri="http://schemas.microsoft.com/office/infopath/2007/PartnerControls"/>
   </ds:schemaRefs>
 </ds:datastoreItem>
-</file>
-
-<file path=customXml/itemProps3.xml><?xml version="1.0" encoding="utf-8"?>
-<ds:datastoreItem xmlns:ds="http://schemas.openxmlformats.org/officeDocument/2006/customXml" ds:itemID="{136497CF-FFDF-4FDB-8278-A4E189869E9B}">
-  <ds:schemaRefs>
-    <ds:schemaRef ds:uri="http://schemas.microsoft.com/office/2006/metadata/properties"/>
-    <ds:schemaRef ds:uri="http://purl.org/dc/terms/"/>
-    <ds:schemaRef ds:uri="http://schemas.openxmlformats.org/package/2006/metadata/core-properties"/>
-    <ds:schemaRef ds:uri="http://schemas.microsoft.com/office/2006/documentManagement/types"/>
-    <ds:schemaRef ds:uri="http://purl.org/dc/dcmitype/"/>
-    <ds:schemaRef ds:uri="http://schemas.microsoft.com/office/infopath/2007/PartnerControls"/>
-    <ds:schemaRef ds:uri="http://purl.org/dc/elements/1.1/"/>
-    <ds:schemaRef ds:uri="http://www.w3.org/XML/1998/namespace"/>
-  </ds:schemaRefs>
-</ds:datastoreItem>
 </file>